--- a/SPL-1(1423)-FinalPresentation.pptx
+++ b/SPL-1(1423)-FinalPresentation.pptx
@@ -13994,7 +13994,7 @@
           <a:p>
             <a:fld id="{9E1C622F-B489-469A-86D2-5AE1D727ABDE}" type="datetimeFigureOut">
               <a:rPr lang="en-US" smtClean="0"/>
-              <a:t>12/16/2023</a:t>
+              <a:t>12/17/2023</a:t>
             </a:fld>
             <a:endParaRPr lang="en-US"/>
           </a:p>
@@ -14411,7 +14411,7 @@
           <a:p>
             <a:fld id="{B827C757-9074-4FC9-8204-8345DBE4909A}" type="datetime1">
               <a:rPr lang="en-US" smtClean="0"/>
-              <a:t>12/16/2023</a:t>
+              <a:t>12/17/2023</a:t>
             </a:fld>
             <a:endParaRPr lang="en-US"/>
           </a:p>
@@ -14611,7 +14611,7 @@
           <a:p>
             <a:fld id="{897C2458-B15C-4787-8711-6E28895E79F4}" type="datetime1">
               <a:rPr lang="en-US" smtClean="0"/>
-              <a:t>12/16/2023</a:t>
+              <a:t>12/17/2023</a:t>
             </a:fld>
             <a:endParaRPr lang="en-US"/>
           </a:p>
@@ -14821,7 +14821,7 @@
           <a:p>
             <a:fld id="{D59BF418-906E-4ADB-87DA-787284578418}" type="datetime1">
               <a:rPr lang="en-US" smtClean="0"/>
-              <a:t>12/16/2023</a:t>
+              <a:t>12/17/2023</a:t>
             </a:fld>
             <a:endParaRPr lang="en-US"/>
           </a:p>
@@ -15021,7 +15021,7 @@
           <a:p>
             <a:fld id="{99A62485-4BE5-451A-B080-B55AB8084781}" type="datetime1">
               <a:rPr lang="en-US" smtClean="0"/>
-              <a:t>12/16/2023</a:t>
+              <a:t>12/17/2023</a:t>
             </a:fld>
             <a:endParaRPr lang="en-US"/>
           </a:p>
@@ -15297,7 +15297,7 @@
           <a:p>
             <a:fld id="{9AFEA7EE-0C76-413B-9A85-BD8DB0C65EF8}" type="datetime1">
               <a:rPr lang="en-US" smtClean="0"/>
-              <a:t>12/16/2023</a:t>
+              <a:t>12/17/2023</a:t>
             </a:fld>
             <a:endParaRPr lang="en-US"/>
           </a:p>
@@ -15565,7 +15565,7 @@
           <a:p>
             <a:fld id="{A390D579-84E4-4012-81CD-58D43BFB7C48}" type="datetime1">
               <a:rPr lang="en-US" smtClean="0"/>
-              <a:t>12/16/2023</a:t>
+              <a:t>12/17/2023</a:t>
             </a:fld>
             <a:endParaRPr lang="en-US"/>
           </a:p>
@@ -15980,7 +15980,7 @@
           <a:p>
             <a:fld id="{9D3B9325-E4C7-4B9C-87A1-FB078474D223}" type="datetime1">
               <a:rPr lang="en-US" smtClean="0"/>
-              <a:t>12/16/2023</a:t>
+              <a:t>12/17/2023</a:t>
             </a:fld>
             <a:endParaRPr lang="en-US"/>
           </a:p>
@@ -16122,7 +16122,7 @@
           <a:p>
             <a:fld id="{A1A35326-6B9D-467E-827E-6D3F82B5D5A0}" type="datetime1">
               <a:rPr lang="en-US" smtClean="0"/>
-              <a:t>12/16/2023</a:t>
+              <a:t>12/17/2023</a:t>
             </a:fld>
             <a:endParaRPr lang="en-US"/>
           </a:p>
@@ -16235,7 +16235,7 @@
           <a:p>
             <a:fld id="{41B744D4-A585-4846-99C5-D6DBA77E1D87}" type="datetime1">
               <a:rPr lang="en-US" smtClean="0"/>
-              <a:t>12/16/2023</a:t>
+              <a:t>12/17/2023</a:t>
             </a:fld>
             <a:endParaRPr lang="en-US"/>
           </a:p>
@@ -16548,7 +16548,7 @@
           <a:p>
             <a:fld id="{53EA0661-E6B8-42E8-A06A-3F85BEDD5C9E}" type="datetime1">
               <a:rPr lang="en-US" smtClean="0"/>
-              <a:t>12/16/2023</a:t>
+              <a:t>12/17/2023</a:t>
             </a:fld>
             <a:endParaRPr lang="en-US"/>
           </a:p>
@@ -16837,7 +16837,7 @@
           <a:p>
             <a:fld id="{1E5B1FD5-9354-4E13-9D08-84D9F7D92E6C}" type="datetime1">
               <a:rPr lang="en-US" smtClean="0"/>
-              <a:t>12/16/2023</a:t>
+              <a:t>12/17/2023</a:t>
             </a:fld>
             <a:endParaRPr lang="en-US"/>
           </a:p>
@@ -17080,7 +17080,7 @@
           <a:p>
             <a:fld id="{D224F78D-47CC-45EA-AFD2-87FE20BA4622}" type="datetime1">
               <a:rPr lang="en-US" smtClean="0"/>
-              <a:t>12/16/2023</a:t>
+              <a:t>12/17/2023</a:t>
             </a:fld>
             <a:endParaRPr lang="en-US"/>
           </a:p>
@@ -23708,36 +23708,6 @@
           </a:p>
         </p:txBody>
       </p:sp>
-      <p:pic>
-        <p:nvPicPr>
-          <p:cNvPr id="4" name="Picture 3">
-            <a:extLst>
-              <a:ext uri="{FF2B5EF4-FFF2-40B4-BE49-F238E27FC236}">
-                <a16:creationId xmlns:a16="http://schemas.microsoft.com/office/drawing/2014/main" id="{F8646E9E-E70C-1D0A-C9D0-FBB88590997D}"/>
-              </a:ext>
-            </a:extLst>
-          </p:cNvPr>
-          <p:cNvPicPr>
-            <a:picLocks noChangeAspect="1"/>
-          </p:cNvPicPr>
-          <p:nvPr/>
-        </p:nvPicPr>
-        <p:blipFill>
-          <a:blip r:embed="rId2"/>
-          <a:stretch>
-            <a:fillRect/>
-          </a:stretch>
-        </p:blipFill>
-        <p:spPr>
-          <a:xfrm>
-            <a:off x="1762997" y="739539"/>
-            <a:ext cx="8666006" cy="5677167"/>
-          </a:xfrm>
-          <a:prstGeom prst="rect">
-            <a:avLst/>
-          </a:prstGeom>
-        </p:spPr>
-      </p:pic>
       <p:sp>
         <p:nvSpPr>
           <p:cNvPr id="3" name="Slide Number Placeholder 2">
@@ -23775,6 +23745,36 @@
           </a:p>
         </p:txBody>
       </p:sp>
+      <p:pic>
+        <p:nvPicPr>
+          <p:cNvPr id="6" name="Picture 5">
+            <a:extLst>
+              <a:ext uri="{FF2B5EF4-FFF2-40B4-BE49-F238E27FC236}">
+                <a16:creationId xmlns:a16="http://schemas.microsoft.com/office/drawing/2014/main" id="{D82EC564-5232-D2E8-335B-241A5829C9B5}"/>
+              </a:ext>
+            </a:extLst>
+          </p:cNvPr>
+          <p:cNvPicPr>
+            <a:picLocks noChangeAspect="1"/>
+          </p:cNvPicPr>
+          <p:nvPr/>
+        </p:nvPicPr>
+        <p:blipFill>
+          <a:blip r:embed="rId2"/>
+          <a:stretch>
+            <a:fillRect/>
+          </a:stretch>
+        </p:blipFill>
+        <p:spPr>
+          <a:xfrm>
+            <a:off x="1527670" y="718599"/>
+            <a:ext cx="9136660" cy="6139401"/>
+          </a:xfrm>
+          <a:prstGeom prst="rect">
+            <a:avLst/>
+          </a:prstGeom>
+        </p:spPr>
+      </p:pic>
     </p:spTree>
     <p:extLst>
       <p:ext uri="{BB962C8B-B14F-4D97-AF65-F5344CB8AC3E}">
